--- a/for-poscreators/presentation/onboarding_en.pptx
+++ b/for-poscreators/presentation/onboarding_en.pptx
@@ -2657,8 +2657,8 @@
   </dgm:ptLst>
   <dgm:cxnLst>
     <dgm:cxn modelId="{D3228101-D367-4A6B-8E53-5E92E243551B}" srcId="{95F2ED46-3EAD-4F47-A11C-81FB3102CCCA}" destId="{BB083CF8-6273-46E7-BE3B-5DC61CFAA06F}" srcOrd="1" destOrd="0" parTransId="{261B7F11-9211-448F-95DC-3AB369415B2E}" sibTransId="{52F6A06D-1F44-4665-9DD3-C98F3565ECF7}"/>
+    <dgm:cxn modelId="{0A985C02-1652-4349-8B2C-CE508B59CF41}" type="presOf" srcId="{31B9B58C-F89D-4B88-A80E-50913EC35ABA}" destId="{776D28A1-896A-4837-843B-9D58F4EC836B}" srcOrd="0" destOrd="0" presId="urn:microsoft.com/office/officeart/2005/8/layout/hierarchy6"/>
     <dgm:cxn modelId="{FF964F02-25BC-4266-BED9-6570FB85CDF8}" type="presOf" srcId="{BB083CF8-6273-46E7-BE3B-5DC61CFAA06F}" destId="{C8849357-154D-4C6F-A755-6FFE34A7B3F5}" srcOrd="0" destOrd="0" presId="urn:microsoft.com/office/officeart/2005/8/layout/hierarchy6"/>
-    <dgm:cxn modelId="{0A985C02-1652-4349-8B2C-CE508B59CF41}" type="presOf" srcId="{31B9B58C-F89D-4B88-A80E-50913EC35ABA}" destId="{776D28A1-896A-4837-843B-9D58F4EC836B}" srcOrd="0" destOrd="0" presId="urn:microsoft.com/office/officeart/2005/8/layout/hierarchy6"/>
     <dgm:cxn modelId="{7B7B5E05-87B8-4672-9F4A-3D656C1C6355}" type="presOf" srcId="{8C6F7D70-ECF2-45C9-A96A-878E3721B892}" destId="{A907B97B-57B6-4AA4-A4B1-A15A8C26B25E}" srcOrd="0" destOrd="0" presId="urn:microsoft.com/office/officeart/2005/8/layout/hierarchy6"/>
     <dgm:cxn modelId="{E95FDE10-C55F-460A-965E-94DB8241EA62}" srcId="{D0D91676-B0F9-429A-85B7-A4A18DF2BB37}" destId="{0D9F98DC-57D5-4723-A394-8CDC6BF75DF0}" srcOrd="0" destOrd="0" parTransId="{75E9BAA1-7697-41F9-9D69-D44BBB192BF4}" sibTransId="{B2C6817B-8D97-4758-86B4-7FBDA9CCD908}"/>
     <dgm:cxn modelId="{FEA6D31B-9BCD-4929-9BA9-514E4FC1B45F}" type="presOf" srcId="{26127BF6-3D13-4828-AFE0-E15425FA8684}" destId="{E1441E74-DFF0-4FDD-A87B-5C7D3F8CB9C1}" srcOrd="0" destOrd="0" presId="urn:microsoft.com/office/officeart/2005/8/layout/hierarchy6"/>
@@ -2672,16 +2672,16 @@
     <dgm:cxn modelId="{F9906D3E-2ACA-4FD6-9289-31389B947137}" type="presOf" srcId="{6EBE2D93-55C8-40D4-BBE5-E6D16DB4F7A6}" destId="{DD98744D-9D72-4929-9AB7-E8B7188FAB84}" srcOrd="0" destOrd="0" presId="urn:microsoft.com/office/officeart/2005/8/layout/hierarchy6"/>
     <dgm:cxn modelId="{9054E33E-9B47-4F1B-9BF2-105B12D385D3}" type="presOf" srcId="{0BF3FAA1-DCF8-4325-9623-5294C0B07C37}" destId="{5CA3C01F-EF5C-402C-AEC5-F59EDAAA728A}" srcOrd="1" destOrd="0" presId="urn:microsoft.com/office/officeart/2005/8/layout/hierarchy6"/>
     <dgm:cxn modelId="{06E9E540-25CA-4673-8C42-74EE08153BDB}" type="presOf" srcId="{9D4B5DBD-CB9C-4FB4-AAA6-979D46D6684A}" destId="{6EA8E6A9-46AA-4831-9DAC-0263F933A90E}" srcOrd="0" destOrd="0" presId="urn:microsoft.com/office/officeart/2005/8/layout/hierarchy6"/>
-    <dgm:cxn modelId="{C4500742-DF8F-4517-8A5F-102B00E77012}" srcId="{5AB1FED7-A684-4A5B-8B24-6B6F70FEC70F}" destId="{B18C206A-E65F-4357-9A21-BAE600E08067}" srcOrd="0" destOrd="0" parTransId="{9D4B5DBD-CB9C-4FB4-AAA6-979D46D6684A}" sibTransId="{E794E13D-5DE6-4B79-9264-999E14EA6263}"/>
-    <dgm:cxn modelId="{1109BB47-E5C2-4C14-8A73-CD57B75F77BD}" type="presOf" srcId="{C7994BF7-B41E-4BA6-BF45-40E2C8B1E270}" destId="{38C9458A-ABC9-4739-BC7E-430C33421FAE}" srcOrd="0" destOrd="0" presId="urn:microsoft.com/office/officeart/2005/8/layout/hierarchy6"/>
-    <dgm:cxn modelId="{8D998158-EBD4-42F5-98E1-A69E9366D652}" srcId="{B18C206A-E65F-4357-9A21-BAE600E08067}" destId="{9E07314B-9A62-4299-9E8A-584F2F7C5059}" srcOrd="0" destOrd="0" parTransId="{0DF6DED7-5192-46F3-976D-838BE73AB713}" sibTransId="{CD6597A3-3B31-45D5-9876-15EB6DDE0B1B}"/>
-    <dgm:cxn modelId="{3E232159-66DF-491E-9700-FE88C856AC8E}" srcId="{507D00CA-35C4-416C-A8AC-C71B5C468C96}" destId="{063167D2-9902-43F0-8B5B-2CCBBEDBDC2A}" srcOrd="1" destOrd="0" parTransId="{A4A34996-CC96-449F-829D-D317AA4C8DF4}" sibTransId="{641CB160-2787-4CE2-B181-9EDBD4E97365}"/>
     <dgm:cxn modelId="{AF41AD5C-588D-41F0-8095-E184F78A0B36}" type="presOf" srcId="{50DDEC0C-6225-49E4-9435-2892A959F271}" destId="{A394A375-99C7-430F-919D-3365A866BC9B}" srcOrd="0" destOrd="0" presId="urn:microsoft.com/office/officeart/2005/8/layout/hierarchy6"/>
     <dgm:cxn modelId="{C506F05E-0FDF-4AB9-A08E-DAFDB92AA181}" type="presOf" srcId="{86256DAC-6B50-48EE-8E6D-4682846CC9BA}" destId="{3420DE1F-F791-4A3F-BB8E-16BB7C36B1B7}" srcOrd="0" destOrd="0" presId="urn:microsoft.com/office/officeart/2005/8/layout/hierarchy6"/>
+    <dgm:cxn modelId="{C4500742-DF8F-4517-8A5F-102B00E77012}" srcId="{5AB1FED7-A684-4A5B-8B24-6B6F70FEC70F}" destId="{B18C206A-E65F-4357-9A21-BAE600E08067}" srcOrd="0" destOrd="0" parTransId="{9D4B5DBD-CB9C-4FB4-AAA6-979D46D6684A}" sibTransId="{E794E13D-5DE6-4B79-9264-999E14EA6263}"/>
     <dgm:cxn modelId="{CE5CFB62-5962-4464-B7E0-E9C9BC355288}" type="presOf" srcId="{95F2ED46-3EAD-4F47-A11C-81FB3102CCCA}" destId="{1BECA6C4-6D56-4BBB-9411-337B74116256}" srcOrd="0" destOrd="0" presId="urn:microsoft.com/office/officeart/2005/8/layout/hierarchy6"/>
     <dgm:cxn modelId="{6D86CD65-FBF7-4913-85F6-CCE09F46545B}" type="presOf" srcId="{9E07314B-9A62-4299-9E8A-584F2F7C5059}" destId="{A0B4A37F-2B34-4BC0-91C3-088320D09B37}" srcOrd="0" destOrd="0" presId="urn:microsoft.com/office/officeart/2005/8/layout/hierarchy6"/>
     <dgm:cxn modelId="{AC3ACD66-EA66-4720-9A08-CE936C9A935F}" type="presOf" srcId="{5AB1FED7-A684-4A5B-8B24-6B6F70FEC70F}" destId="{9DF05028-9C79-44A6-B539-EA799B590245}" srcOrd="0" destOrd="0" presId="urn:microsoft.com/office/officeart/2005/8/layout/hierarchy6"/>
+    <dgm:cxn modelId="{1109BB47-E5C2-4C14-8A73-CD57B75F77BD}" type="presOf" srcId="{C7994BF7-B41E-4BA6-BF45-40E2C8B1E270}" destId="{38C9458A-ABC9-4739-BC7E-430C33421FAE}" srcOrd="0" destOrd="0" presId="urn:microsoft.com/office/officeart/2005/8/layout/hierarchy6"/>
     <dgm:cxn modelId="{EDBCE76F-AF9E-4759-B585-A45A1D9B72D2}" type="presOf" srcId="{4685CF5A-6A16-4D76-893F-57E7DC1EF1E5}" destId="{081726CD-4B88-4266-AEEC-E2F061221D9D}" srcOrd="0" destOrd="0" presId="urn:microsoft.com/office/officeart/2005/8/layout/hierarchy6"/>
+    <dgm:cxn modelId="{8D998158-EBD4-42F5-98E1-A69E9366D652}" srcId="{B18C206A-E65F-4357-9A21-BAE600E08067}" destId="{9E07314B-9A62-4299-9E8A-584F2F7C5059}" srcOrd="0" destOrd="0" parTransId="{0DF6DED7-5192-46F3-976D-838BE73AB713}" sibTransId="{CD6597A3-3B31-45D5-9876-15EB6DDE0B1B}"/>
+    <dgm:cxn modelId="{3E232159-66DF-491E-9700-FE88C856AC8E}" srcId="{507D00CA-35C4-416C-A8AC-C71B5C468C96}" destId="{063167D2-9902-43F0-8B5B-2CCBBEDBDC2A}" srcOrd="1" destOrd="0" parTransId="{A4A34996-CC96-449F-829D-D317AA4C8DF4}" sibTransId="{641CB160-2787-4CE2-B181-9EDBD4E97365}"/>
     <dgm:cxn modelId="{FC65A77A-04DE-4A14-92F0-BAF79B999465}" srcId="{95F2ED46-3EAD-4F47-A11C-81FB3102CCCA}" destId="{0BD06960-C0AA-4121-A913-D8F92A6CC5D6}" srcOrd="4" destOrd="0" parTransId="{11DC519E-4742-47C1-AB05-86DE620F4D73}" sibTransId="{33D68886-6919-4645-8982-8F63F6A67426}"/>
     <dgm:cxn modelId="{3D4BF77D-EF39-40D2-B401-02F78699EC6D}" type="presOf" srcId="{464C62C9-D11C-486A-9636-0478A4C24FD5}" destId="{599EC7A2-D025-460C-842C-0F11618A7DA2}" srcOrd="0" destOrd="0" presId="urn:microsoft.com/office/officeart/2005/8/layout/hierarchy6"/>
     <dgm:cxn modelId="{87F4757F-0E90-4ACD-B1C0-B85D3802CE53}" srcId="{D0D91676-B0F9-429A-85B7-A4A18DF2BB37}" destId="{C7994BF7-B41E-4BA6-BF45-40E2C8B1E270}" srcOrd="1" destOrd="0" parTransId="{86256DAC-6B50-48EE-8E6D-4682846CC9BA}" sibTransId="{21EC5055-A5A1-4095-BEDD-2F6E73D56B80}"/>
@@ -3684,12 +3684,9 @@
     <dgm:cxn modelId="{13C00D2B-F5A5-5E45-8A9C-619A289CCEE9}" srcId="{84ED0DD6-2D8A-0349-9399-576CDDD53DF0}" destId="{580D8CE1-E595-CF43-B1D2-95FB638F080E}" srcOrd="2" destOrd="0" parTransId="{3C97B2F6-008B-9D4B-B73C-334615696978}" sibTransId="{C4673E6D-A4AC-1544-B7F9-FEDE3F9F7A11}"/>
     <dgm:cxn modelId="{43EBF52F-0D6F-8047-B321-9A4E0772EB94}" type="presOf" srcId="{1B3290C7-72D7-4746-9957-7044F630C828}" destId="{846A1EB4-FE5D-EA45-887E-8162064DDF67}" srcOrd="1" destOrd="0" presId="urn:microsoft.com/office/officeart/2005/8/layout/hProcess4"/>
     <dgm:cxn modelId="{CC9F6A3D-D8F4-EE4C-95A1-F08BCC725B95}" type="presOf" srcId="{526E9F08-5EA3-3D49-8B38-51CB3B3ED9DC}" destId="{DB47F245-2784-474A-9BA8-6F043C5AB87D}" srcOrd="0" destOrd="1" presId="urn:microsoft.com/office/officeart/2005/8/layout/hProcess4"/>
+    <dgm:cxn modelId="{37379B5F-5E38-2447-993B-56E9861CEF2C}" type="presOf" srcId="{20741808-44F9-9443-B020-C2DBEB25E341}" destId="{06CB93B6-4672-464B-AAE1-102A5584ED74}" srcOrd="1" destOrd="0" presId="urn:microsoft.com/office/officeart/2005/8/layout/hProcess4"/>
     <dgm:cxn modelId="{981C2443-3091-444F-A294-41054667FBF6}" type="presOf" srcId="{939A1577-2324-43EB-B7C5-B0BEC8FE22DE}" destId="{D0EB118E-DEA3-024F-A526-15F101524331}" srcOrd="0" destOrd="0" presId="urn:microsoft.com/office/officeart/2005/8/layout/hProcess4"/>
     <dgm:cxn modelId="{D90BB746-0804-4898-BF96-356E2B873EAA}" srcId="{F0F6B17E-9533-4727-B3CC-A6D0466AC596}" destId="{939A1577-2324-43EB-B7C5-B0BEC8FE22DE}" srcOrd="4" destOrd="0" parTransId="{54852552-1083-4F9C-9B1F-503522ABD84C}" sibTransId="{5D2CC7DE-FDA6-4D6E-A5F3-358AE7439C44}"/>
-    <dgm:cxn modelId="{3B422453-22C5-9249-B6A4-E73AC58E56E1}" type="presOf" srcId="{AC1C4931-EEA2-E343-8BA4-1A9CD4B76DDA}" destId="{B02BE0EB-C330-4F32-8D7C-9CA39266E853}" srcOrd="0" destOrd="0" presId="urn:microsoft.com/office/officeart/2005/8/layout/hProcess4"/>
-    <dgm:cxn modelId="{9B709158-4505-6A4F-BE49-878115C360B2}" srcId="{F0F6B17E-9533-4727-B3CC-A6D0466AC596}" destId="{F1503044-3191-2B40-BFBF-6E829B69DD55}" srcOrd="2" destOrd="0" parTransId="{9CBEDA7F-55D5-1F47-AEA6-ABCAEEA73202}" sibTransId="{4D7A16A2-CE58-5948-9F62-CFDD055D3D1A}"/>
-    <dgm:cxn modelId="{786AE959-D000-1D4E-911D-67F1B9F41A5E}" type="presOf" srcId="{526E9F08-5EA3-3D49-8B38-51CB3B3ED9DC}" destId="{06CB93B6-4672-464B-AAE1-102A5584ED74}" srcOrd="1" destOrd="1" presId="urn:microsoft.com/office/officeart/2005/8/layout/hProcess4"/>
-    <dgm:cxn modelId="{37379B5F-5E38-2447-993B-56E9861CEF2C}" type="presOf" srcId="{20741808-44F9-9443-B020-C2DBEB25E341}" destId="{06CB93B6-4672-464B-AAE1-102A5584ED74}" srcOrd="1" destOrd="0" presId="urn:microsoft.com/office/officeart/2005/8/layout/hProcess4"/>
     <dgm:cxn modelId="{0704B467-B67F-7F41-A3BD-7CBC6D88169F}" type="presOf" srcId="{EAAEEAC4-C2C6-4028-807F-BC6BBE918253}" destId="{F5911F88-6D16-4946-B5AD-4CB523ADAA0D}" srcOrd="1" destOrd="0" presId="urn:microsoft.com/office/officeart/2005/8/layout/hProcess4"/>
     <dgm:cxn modelId="{BB475C68-EBE9-2744-AF7F-777006E8E003}" type="presOf" srcId="{D690E6B1-ED93-4978-AC10-25C06B709E1D}" destId="{B02BE0EB-C330-4F32-8D7C-9CA39266E853}" srcOrd="0" destOrd="2" presId="urn:microsoft.com/office/officeart/2005/8/layout/hProcess4"/>
     <dgm:cxn modelId="{E8EDA369-74A4-1645-AA34-690CC184B9C2}" type="presOf" srcId="{15D92C2D-5742-4574-B3E7-79598663529D}" destId="{42D63F66-5DD2-A047-8839-9A8F5BE3BB79}" srcOrd="1" destOrd="0" presId="urn:microsoft.com/office/officeart/2005/8/layout/hProcess4"/>
@@ -3699,6 +3696,9 @@
     <dgm:cxn modelId="{22F4146D-58E5-8644-90A0-A692437616CE}" type="presOf" srcId="{47C53EB7-BB9D-3141-AC80-25FEDE4F45C1}" destId="{6C198CF6-4B48-EC47-9895-532AAD4630E7}" srcOrd="0" destOrd="1" presId="urn:microsoft.com/office/officeart/2005/8/layout/hProcess4"/>
     <dgm:cxn modelId="{563E9C71-D546-B844-9595-25313A0676E1}" type="presOf" srcId="{580D8CE1-E595-CF43-B1D2-95FB638F080E}" destId="{6C198CF6-4B48-EC47-9895-532AAD4630E7}" srcOrd="0" destOrd="2" presId="urn:microsoft.com/office/officeart/2005/8/layout/hProcess4"/>
     <dgm:cxn modelId="{0CABC472-4160-9F4C-A268-93FFE24107B7}" type="presOf" srcId="{F1503044-3191-2B40-BFBF-6E829B69DD55}" destId="{4055B626-3956-BA4B-8E9B-4D853D53EE56}" srcOrd="0" destOrd="0" presId="urn:microsoft.com/office/officeart/2005/8/layout/hProcess4"/>
+    <dgm:cxn modelId="{3B422453-22C5-9249-B6A4-E73AC58E56E1}" type="presOf" srcId="{AC1C4931-EEA2-E343-8BA4-1A9CD4B76DDA}" destId="{B02BE0EB-C330-4F32-8D7C-9CA39266E853}" srcOrd="0" destOrd="0" presId="urn:microsoft.com/office/officeart/2005/8/layout/hProcess4"/>
+    <dgm:cxn modelId="{9B709158-4505-6A4F-BE49-878115C360B2}" srcId="{F0F6B17E-9533-4727-B3CC-A6D0466AC596}" destId="{F1503044-3191-2B40-BFBF-6E829B69DD55}" srcOrd="2" destOrd="0" parTransId="{9CBEDA7F-55D5-1F47-AEA6-ABCAEEA73202}" sibTransId="{4D7A16A2-CE58-5948-9F62-CFDD055D3D1A}"/>
+    <dgm:cxn modelId="{786AE959-D000-1D4E-911D-67F1B9F41A5E}" type="presOf" srcId="{526E9F08-5EA3-3D49-8B38-51CB3B3ED9DC}" destId="{06CB93B6-4672-464B-AAE1-102A5584ED74}" srcOrd="1" destOrd="1" presId="urn:microsoft.com/office/officeart/2005/8/layout/hProcess4"/>
     <dgm:cxn modelId="{19CAA77D-572B-C14B-850F-460451CF944D}" srcId="{F1503044-3191-2B40-BFBF-6E829B69DD55}" destId="{526E9F08-5EA3-3D49-8B38-51CB3B3ED9DC}" srcOrd="1" destOrd="0" parTransId="{A8FA7B8A-AD7B-7C40-BF90-BED881C03EB5}" sibTransId="{955E6D0C-59A0-274E-AFEA-DA4ED5CD50D2}"/>
     <dgm:cxn modelId="{3031F17F-8F4D-4622-BCE9-55A48FDC59CF}" srcId="{D4F9471E-5DB8-4527-8A9A-3BA1BC9BC03D}" destId="{A4305718-53E2-4A7F-804A-6F3B3A68EDA1}" srcOrd="1" destOrd="0" parTransId="{6352A4B0-029B-47A9-B901-39E39478AA01}" sibTransId="{031F83FA-BA7B-481B-8A9D-B4136C226BCE}"/>
     <dgm:cxn modelId="{DDC67486-FA59-ED49-988E-A25F5AF8168D}" type="presOf" srcId="{E5852962-6E45-A643-BB41-0565DE04E888}" destId="{F5911F88-6D16-4946-B5AD-4CB523ADAA0D}" srcOrd="1" destOrd="1" presId="urn:microsoft.com/office/officeart/2005/8/layout/hProcess4"/>
@@ -10196,7 +10196,7 @@
           <a:p>
             <a:fld id="{F2594EC8-14C7-C244-BB5F-14DF0BFDF1DB}" type="datetimeFigureOut">
               <a:rPr lang="en-US" smtClean="0"/>
-              <a:t>8/20/20</a:t>
+              <a:t>8/20/2020</a:t>
             </a:fld>
             <a:endParaRPr lang="en-US"/>
           </a:p>
@@ -12678,15 +12678,7 @@
           <a:p>
             <a:r>
               <a:rPr lang="en-US" noProof="0" dirty="0"/>
-              <a:t>Dealers (purchasing) buy </a:t>
-            </a:r>
-            <a:r>
-              <a:rPr lang="en-US" noProof="0" dirty="0" err="1"/>
-              <a:t>AddOn</a:t>
-            </a:r>
-            <a:r>
-              <a:rPr lang="en-US" noProof="0" dirty="0"/>
-              <a:t> entitlements in the </a:t>
+              <a:t>Dealers (purchasing) buy Addon entitlements in the </a:t>
             </a:r>
             <a:r>
               <a:rPr lang="en-US" noProof="0" dirty="0" err="1"/>
@@ -12697,15 +12689,7 @@
           <a:p>
             <a:r>
               <a:rPr lang="en-US" noProof="0" dirty="0"/>
-              <a:t>Dealers (sales) sell </a:t>
-            </a:r>
-            <a:r>
-              <a:rPr lang="en-US" noProof="0" dirty="0" err="1"/>
-              <a:t>AddOn</a:t>
-            </a:r>
-            <a:r>
-              <a:rPr lang="en-US" noProof="0" dirty="0"/>
-              <a:t> products (e.g. carefree package) to the operators. These can be assigned to the operators via the entitlements.</a:t>
+              <a:t>Dealers (sales) sell Addon products (e.g. carefree package) to the operators. These can be assigned to the operators via the entitlements.</a:t>
             </a:r>
           </a:p>
           <a:p>
@@ -13961,15 +13945,7 @@
           <a:p>
             <a:r>
               <a:rPr lang="en-US" noProof="0" dirty="0"/>
-              <a:t>The requests are processed in the ft.SecurityMechanism. This mechanism takes care of the creation of the unique, consecutive receipt number, the </a:t>
-            </a:r>
-            <a:r>
-              <a:rPr lang="en-US" noProof="0" dirty="0" err="1"/>
-              <a:t>chgaining</a:t>
-            </a:r>
-            <a:r>
-              <a:rPr lang="en-US" noProof="0" dirty="0"/>
-              <a:t>, signing and the persistence of the data.</a:t>
+              <a:t>The requests are processed in the ft.SecurityMechanism. This mechanism takes care of the creation of the unique, consecutive receipt number, the chaining, signing and the persistence of the data.</a:t>
             </a:r>
           </a:p>
           <a:p>
@@ -14255,7 +14231,7 @@
           <a:p>
             <a:r>
               <a:rPr lang="en-US" noProof="0" dirty="0"/>
-              <a:t>Example request footer data: user name, receipt case (e.g. "pos-receipt" or "zero-receipt"), reference to the previous - related receipt (e.g. in case of cancellation), additional individual data, etc.</a:t>
+              <a:t>Example request footer data: username, receipt case (e.g. "pos-receipt" or "zero-receipt"), reference to the previous - related receipt (e.g. in case of cancellation), additional individual data, etc.</a:t>
             </a:r>
           </a:p>
           <a:p>
@@ -14654,7 +14630,7 @@
           <a:p>
             <a:fld id="{E822B9A2-E9F6-E646-ADD7-254B6AD8866B}" type="datetimeFigureOut">
               <a:rPr lang="en-US" smtClean="0"/>
-              <a:t>8/20/20</a:t>
+              <a:t>8/20/2020</a:t>
             </a:fld>
             <a:endParaRPr lang="en-US"/>
           </a:p>
@@ -14854,7 +14830,7 @@
           <a:p>
             <a:fld id="{E822B9A2-E9F6-E646-ADD7-254B6AD8866B}" type="datetimeFigureOut">
               <a:rPr lang="en-US" smtClean="0"/>
-              <a:t>8/20/20</a:t>
+              <a:t>8/20/2020</a:t>
             </a:fld>
             <a:endParaRPr lang="en-US"/>
           </a:p>
@@ -15064,7 +15040,7 @@
           <a:p>
             <a:fld id="{E822B9A2-E9F6-E646-ADD7-254B6AD8866B}" type="datetimeFigureOut">
               <a:rPr lang="en-US" smtClean="0"/>
-              <a:t>8/20/20</a:t>
+              <a:t>8/20/2020</a:t>
             </a:fld>
             <a:endParaRPr lang="en-US"/>
           </a:p>
@@ -15264,7 +15240,7 @@
           <a:p>
             <a:fld id="{E822B9A2-E9F6-E646-ADD7-254B6AD8866B}" type="datetimeFigureOut">
               <a:rPr lang="en-US" smtClean="0"/>
-              <a:t>8/20/20</a:t>
+              <a:t>8/20/2020</a:t>
             </a:fld>
             <a:endParaRPr lang="en-US"/>
           </a:p>
@@ -15540,7 +15516,7 @@
           <a:p>
             <a:fld id="{E822B9A2-E9F6-E646-ADD7-254B6AD8866B}" type="datetimeFigureOut">
               <a:rPr lang="en-US" smtClean="0"/>
-              <a:t>8/20/20</a:t>
+              <a:t>8/20/2020</a:t>
             </a:fld>
             <a:endParaRPr lang="en-US"/>
           </a:p>
@@ -15808,7 +15784,7 @@
           <a:p>
             <a:fld id="{E822B9A2-E9F6-E646-ADD7-254B6AD8866B}" type="datetimeFigureOut">
               <a:rPr lang="en-US" smtClean="0"/>
-              <a:t>8/20/20</a:t>
+              <a:t>8/20/2020</a:t>
             </a:fld>
             <a:endParaRPr lang="en-US"/>
           </a:p>
@@ -16223,7 +16199,7 @@
           <a:p>
             <a:fld id="{E822B9A2-E9F6-E646-ADD7-254B6AD8866B}" type="datetimeFigureOut">
               <a:rPr lang="en-US" smtClean="0"/>
-              <a:t>8/20/20</a:t>
+              <a:t>8/20/2020</a:t>
             </a:fld>
             <a:endParaRPr lang="en-US"/>
           </a:p>
@@ -16365,7 +16341,7 @@
           <a:p>
             <a:fld id="{E822B9A2-E9F6-E646-ADD7-254B6AD8866B}" type="datetimeFigureOut">
               <a:rPr lang="en-US" smtClean="0"/>
-              <a:t>8/20/20</a:t>
+              <a:t>8/20/2020</a:t>
             </a:fld>
             <a:endParaRPr lang="en-US"/>
           </a:p>
@@ -16478,7 +16454,7 @@
           <a:p>
             <a:fld id="{E822B9A2-E9F6-E646-ADD7-254B6AD8866B}" type="datetimeFigureOut">
               <a:rPr lang="en-US" smtClean="0"/>
-              <a:t>8/20/20</a:t>
+              <a:t>8/20/2020</a:t>
             </a:fld>
             <a:endParaRPr lang="en-US"/>
           </a:p>
@@ -16791,7 +16767,7 @@
           <a:p>
             <a:fld id="{E822B9A2-E9F6-E646-ADD7-254B6AD8866B}" type="datetimeFigureOut">
               <a:rPr lang="en-US" smtClean="0"/>
-              <a:t>8/20/20</a:t>
+              <a:t>8/20/2020</a:t>
             </a:fld>
             <a:endParaRPr lang="en-US"/>
           </a:p>
@@ -17080,7 +17056,7 @@
           <a:p>
             <a:fld id="{E822B9A2-E9F6-E646-ADD7-254B6AD8866B}" type="datetimeFigureOut">
               <a:rPr lang="en-US" smtClean="0"/>
-              <a:t>8/20/20</a:t>
+              <a:t>8/20/2020</a:t>
             </a:fld>
             <a:endParaRPr lang="en-US"/>
           </a:p>
@@ -17323,7 +17299,7 @@
           <a:p>
             <a:fld id="{E822B9A2-E9F6-E646-ADD7-254B6AD8866B}" type="datetimeFigureOut">
               <a:rPr lang="en-US" smtClean="0"/>
-              <a:t>8/20/20</a:t>
+              <a:t>8/20/2020</a:t>
             </a:fld>
             <a:endParaRPr lang="en-US"/>
           </a:p>
